--- a/课件/第一讲：ACM入门.pptx
+++ b/课件/第一讲：ACM入门.pptx
@@ -276,7 +276,7 @@
           <a:p>
             <a:fld id="{051F21D3-01E8-4102-B608-8A6B50B6B27E}" type="datetimeFigureOut">
               <a:rPr lang="zh-CN" altLang="en-US" smtClean="0"/>
-              <a:t>2017/10/26</a:t>
+              <a:t>2017/10/27</a:t>
             </a:fld>
             <a:endParaRPr lang="zh-CN" altLang="en-US"/>
           </a:p>
@@ -441,7 +441,7 @@
           <a:p>
             <a:fld id="{B6083D17-2EF0-43BD-97E4-BB7AF5A7BF42}" type="datetimeFigureOut">
               <a:rPr lang="zh-CN" altLang="en-US" smtClean="0"/>
-              <a:t>2017/10/26</a:t>
+              <a:t>2017/10/27</a:t>
             </a:fld>
             <a:endParaRPr lang="zh-CN" altLang="en-US"/>
           </a:p>
@@ -6185,8 +6185,8 @@
         </p:nvSpPr>
         <p:spPr bwMode="auto">
           <a:xfrm>
-            <a:off x="1828872" y="4800564"/>
-            <a:ext cx="4419600" cy="862012"/>
+            <a:off x="1676476" y="4800564"/>
+            <a:ext cx="6324434" cy="1323439"/>
           </a:xfrm>
           <a:prstGeom prst="rect">
             <a:avLst/>
@@ -6226,7 +6226,7 @@
           </a:extLst>
         </p:spPr>
         <p:txBody>
-          <a:bodyPr>
+          <a:bodyPr wrap="square">
             <a:spAutoFit/>
           </a:bodyPr>
           <a:lstStyle>
@@ -6445,16 +6445,47 @@
               <a:t>：</a:t>
             </a:r>
             <a:r>
-              <a:rPr lang="en-US" altLang="zh-CN" sz="2000" b="1" smtClean="0">
+              <a:rPr lang="en-US" altLang="zh-CN" sz="2000" b="1" dirty="0" smtClean="0">
                 <a:solidFill>
                   <a:srgbClr val="0000FF"/>
                 </a:solidFill>
                 <a:latin typeface="Arial" pitchFamily="34" charset="0"/>
                 <a:ea typeface="宋体" pitchFamily="2" charset="-122"/>
               </a:rPr>
-              <a:t>13673990235</a:t>
-            </a:r>
-            <a:endParaRPr lang="en-US" altLang="zh-CN" sz="2000" b="1" dirty="0">
+              <a:t>13673990235 </a:t>
+            </a:r>
+          </a:p>
+          <a:p>
+            <a:pPr eaLnBrk="1" hangingPunct="1">
+              <a:spcBef>
+                <a:spcPct val="50000"/>
+              </a:spcBef>
+              <a:buClrTx/>
+              <a:buFont typeface="Arial" pitchFamily="34" charset="0"/>
+              <a:buNone/>
+            </a:pPr>
+            <a:r>
+              <a:rPr lang="en-US" altLang="zh-CN" sz="2000" b="1" dirty="0" smtClean="0">
+                <a:solidFill>
+                  <a:srgbClr val="0000FF"/>
+                </a:solidFill>
+                <a:latin typeface="Arial" pitchFamily="34" charset="0"/>
+                <a:ea typeface="宋体" pitchFamily="2" charset="-122"/>
+              </a:rPr>
+              <a:t> </a:t>
+            </a:r>
+            <a:r>
+              <a:rPr lang="zh-CN" altLang="en-US" sz="2000" b="1" dirty="0" smtClean="0">
+                <a:solidFill>
+                  <a:srgbClr val="0000FF"/>
+                </a:solidFill>
+                <a:latin typeface="Arial" pitchFamily="34" charset="0"/>
+                <a:ea typeface="宋体" pitchFamily="2" charset="-122"/>
+                <a:hlinkClick r:id="rId2"/>
+              </a:rPr>
+              <a:t>课件下载</a:t>
+            </a:r>
+            <a:endParaRPr lang="en-US" altLang="zh-CN" sz="1400" b="1" dirty="0">
               <a:solidFill>
                 <a:srgbClr val="0033CC"/>
               </a:solidFill>
@@ -6473,7 +6504,7 @@
           <p:nvPr/>
         </p:nvPicPr>
         <p:blipFill>
-          <a:blip r:embed="rId2">
+          <a:blip r:embed="rId3">
             <a:extLst>
               <a:ext uri="{28A0092B-C50C-407E-A947-70E740481C1C}">
                 <a14:useLocalDpi xmlns:a14="http://schemas.microsoft.com/office/drawing/2010/main" val="0"/>
